--- a/docs/védés.pptx
+++ b/docs/védés.pptx
@@ -9,9 +9,8 @@
   </p:notesMasterIdLst>
   <p:sldIdLst>
     <p:sldId id="256" r:id="rId3"/>
-    <p:sldId id="257" r:id="rId4"/>
-    <p:sldId id="258" r:id="rId5"/>
-    <p:sldId id="259" r:id="rId6"/>
+    <p:sldId id="258" r:id="rId4"/>
+    <p:sldId id="259" r:id="rId5"/>
   </p:sldIdLst>
   <p:sldSz cx="12192000" cy="6858000"/>
   <p:notesSz cx="6858000" cy="9144000"/>
@@ -200,7 +199,7 @@
           <a:p>
             <a:fld id="{276CB2B1-F640-426D-9B68-A7C776F6B79B}" type="datetimeFigureOut">
               <a:rPr lang="en-US" smtClean="0"/>
-              <a:t>5/17/2023</a:t>
+              <a:t>5/19/2023</a:t>
             </a:fld>
             <a:endParaRPr lang="en-US"/>
           </a:p>
@@ -524,6 +523,31 @@
           <a:bodyPr/>
           <a:lstStyle/>
           <a:p>
+            <a:r>
+              <a:t>1. miért választottad ezt a témát</a:t>
+            </a:r>
+          </a:p>
+          <a:p>
+            <a:r>
+              <a:t>2. milyen programokat, szoftvereket használtál fel az elkészítés során</a:t>
+            </a:r>
+          </a:p>
+          <a:p>
+            <a:r>
+              <a:t>3. Az adatbázis felépítésének bemutatása</a:t>
+            </a:r>
+          </a:p>
+          <a:p>
+            <a:r>
+              <a:t>4. Néhány fontosabb kódrészlet, amit el is tudsz magyarázni! (kb 4 dián keresztül mutass be kódrészleteket)</a:t>
+            </a:r>
+          </a:p>
+          <a:p>
+            <a:r>
+              <a:t>5. Milyen fejlesztési lehetőségek lehetnek, hol lehetne felhasználni a programod még.</a:t>
+            </a:r>
+          </a:p>
+          <a:p>
             <a:endParaRPr lang="en-US"/>
           </a:p>
         </p:txBody>
@@ -647,7 +671,7 @@
           <a:bodyPr/>
           <a:lstStyle/>
           <a:p>
-            <a:fld id="{A8018B27-80E7-4C91-83A8-D62539E49A53}" type="slidenum">
+            <a:fld id="{2D8855A8-6CF2-4C9F-9F1B-4E2519B8C9FB}" type="slidenum">
               <a:rPr lang="en-US" smtClean="0"/>
               <a:t>‹#›</a:t>
             </a:fld>
@@ -725,127 +749,6 @@
           <a:lstStyle/>
           <a:p>
             <a:r>
-              <a:t>1. miért választottad ezt a témát</a:t>
-            </a:r>
-          </a:p>
-          <a:p>
-            <a:endParaRPr lang="en-US"/>
-          </a:p>
-        </p:txBody>
-      </p:sp>
-      <p:sp>
-        <p:nvSpPr>
-          <p:cNvPr id="4" name="Slide Number Placeholder 3"/>
-          <p:cNvSpPr>
-            <a:spLocks noGrp="1" noEditPoints="1"/>
-          </p:cNvSpPr>
-          <p:nvPr>
-            <p:ph type="sldNum" sz="quarter" idx="5"/>
-          </p:nvPr>
-        </p:nvSpPr>
-        <p:spPr>
-          <a:prstGeom prst="rect">
-            <a:avLst/>
-          </a:prstGeom>
-        </p:spPr>
-        <p:txBody>
-          <a:bodyPr/>
-          <a:lstStyle/>
-          <a:p>
-            <a:fld id="{2D8855A8-6CF2-4C9F-9F1B-4E2519B8C9FB}" type="slidenum">
-              <a:rPr lang="en-US" smtClean="0"/>
-              <a:t>‹#›</a:t>
-            </a:fld>
-            <a:endParaRPr lang="en-US"/>
-          </a:p>
-        </p:txBody>
-      </p:sp>
-    </p:spTree>
-  </p:cSld>
-  <p:clrMapOvr>
-    <a:masterClrMapping/>
-  </p:clrMapOvr>
-</p:notes>
-</file>
-
-<file path=ppt/notesSlides/notesSlide4.xml><?xml version="1.0" encoding="utf-8"?>
-<p:notes xmlns:a="http://schemas.openxmlformats.org/drawingml/2006/main" xmlns:r="http://schemas.openxmlformats.org/officeDocument/2006/relationships" xmlns:p="http://schemas.openxmlformats.org/presentationml/2006/main">
-  <p:cSld>
-    <p:spTree>
-      <p:nvGrpSpPr>
-        <p:cNvPr id="1" name=""/>
-        <p:cNvGrpSpPr/>
-        <p:nvPr/>
-      </p:nvGrpSpPr>
-      <p:grpSpPr>
-        <a:xfrm>
-          <a:off x="0" y="0"/>
-          <a:ext cx="0" cy="0"/>
-          <a:chOff x="0" y="0"/>
-          <a:chExt cx="0" cy="0"/>
-        </a:xfrm>
-      </p:grpSpPr>
-      <p:sp>
-        <p:nvSpPr>
-          <p:cNvPr id="2" name="Slide Image Placeholder 1"/>
-          <p:cNvSpPr>
-            <a:spLocks noGrp="1" noRot="1" noChangeAspect="1" noEditPoints="1"/>
-          </p:cNvSpPr>
-          <p:nvPr>
-            <p:ph type="sldImg"/>
-          </p:nvPr>
-        </p:nvSpPr>
-        <p:spPr>
-          <a:xfrm>
-            <a:off x="381000" y="685800"/>
-            <a:ext cx="6096000" cy="3429000"/>
-          </a:xfrm>
-          <a:prstGeom prst="rect">
-            <a:avLst/>
-          </a:prstGeom>
-        </p:spPr>
-        <p:txBody>
-          <a:bodyPr/>
-          <a:lstStyle/>
-          <a:p/>
-        </p:txBody>
-      </p:sp>
-      <p:sp>
-        <p:nvSpPr>
-          <p:cNvPr id="3" name="Text Placeholder 2"/>
-          <p:cNvSpPr>
-            <a:spLocks noGrp="1" noEditPoints="1"/>
-          </p:cNvSpPr>
-          <p:nvPr>
-            <p:ph type="body" idx="3"/>
-          </p:nvPr>
-        </p:nvSpPr>
-        <p:spPr>
-          <a:prstGeom prst="rect">
-            <a:avLst/>
-          </a:prstGeom>
-        </p:spPr>
-        <p:txBody>
-          <a:bodyPr/>
-          <a:lstStyle/>
-          <a:p>
-            <a:r>
-              <a:rPr lang="en-GB"/>
-              <a:t>M</a:t>
-            </a:r>
-            <a:r>
-              <a:t>ilyen programokat, szoftvereket használtál fel az elkészítés során</a:t>
-            </a:r>
-            <a:r>
-              <a:rPr lang="en-GB"/>
-              <a:t>?</a:t>
-            </a:r>
-          </a:p>
-          <a:p>
-            <a:endParaRPr lang="en-GB"/>
-          </a:p>
-          <a:p>
-            <a:r>
               <a:rPr lang="en-GB"/>
               <a:t>- VSCode</a:t>
             </a:r>
@@ -1045,7 +948,7 @@
           <a:p>
             <a:fld id="{71FD7FF2-845F-41B9-944F-35B90659B7D6}" type="datetimeFigureOut">
               <a:rPr lang="en-US" smtClean="0"/>
-              <a:t>5/17/2023</a:t>
+              <a:t>5/19/2023</a:t>
             </a:fld>
             <a:endParaRPr lang="en-US"/>
           </a:p>
@@ -1208,7 +1111,7 @@
           <a:p>
             <a:fld id="{71FD7FF2-845F-41B9-944F-35B90659B7D6}" type="datetimeFigureOut">
               <a:rPr lang="en-US" smtClean="0"/>
-              <a:t>5/17/2023</a:t>
+              <a:t>5/19/2023</a:t>
             </a:fld>
             <a:endParaRPr lang="en-US"/>
           </a:p>
@@ -1381,7 +1284,7 @@
           <a:p>
             <a:fld id="{71FD7FF2-845F-41B9-944F-35B90659B7D6}" type="datetimeFigureOut">
               <a:rPr lang="en-US" smtClean="0"/>
-              <a:t>5/17/2023</a:t>
+              <a:t>5/19/2023</a:t>
             </a:fld>
             <a:endParaRPr lang="en-US"/>
           </a:p>
@@ -1544,7 +1447,7 @@
           <a:p>
             <a:fld id="{71FD7FF2-845F-41B9-944F-35B90659B7D6}" type="datetimeFigureOut">
               <a:rPr lang="en-US" smtClean="0"/>
-              <a:t>5/17/2023</a:t>
+              <a:t>5/19/2023</a:t>
             </a:fld>
             <a:endParaRPr lang="en-US"/>
           </a:p>
@@ -1784,7 +1687,7 @@
           <a:p>
             <a:fld id="{71FD7FF2-845F-41B9-944F-35B90659B7D6}" type="datetimeFigureOut">
               <a:rPr lang="en-US" smtClean="0"/>
-              <a:t>5/17/2023</a:t>
+              <a:t>5/19/2023</a:t>
             </a:fld>
             <a:endParaRPr lang="en-US"/>
           </a:p>
@@ -2008,7 +1911,7 @@
           <a:p>
             <a:fld id="{71FD7FF2-845F-41B9-944F-35B90659B7D6}" type="datetimeFigureOut">
               <a:rPr lang="en-US" smtClean="0"/>
-              <a:t>5/17/2023</a:t>
+              <a:t>5/19/2023</a:t>
             </a:fld>
             <a:endParaRPr lang="en-US"/>
           </a:p>
@@ -2367,7 +2270,7 @@
           <a:p>
             <a:fld id="{71FD7FF2-845F-41B9-944F-35B90659B7D6}" type="datetimeFigureOut">
               <a:rPr lang="en-US" smtClean="0"/>
-              <a:t>5/17/2023</a:t>
+              <a:t>5/19/2023</a:t>
             </a:fld>
             <a:endParaRPr lang="en-US"/>
           </a:p>
@@ -2479,7 +2382,7 @@
           <a:p>
             <a:fld id="{71FD7FF2-845F-41B9-944F-35B90659B7D6}" type="datetimeFigureOut">
               <a:rPr lang="en-US" smtClean="0"/>
-              <a:t>5/17/2023</a:t>
+              <a:t>5/19/2023</a:t>
             </a:fld>
             <a:endParaRPr lang="en-US"/>
           </a:p>
@@ -2569,7 +2472,7 @@
           <a:p>
             <a:fld id="{71FD7FF2-845F-41B9-944F-35B90659B7D6}" type="datetimeFigureOut">
               <a:rPr lang="en-US" smtClean="0"/>
-              <a:t>5/17/2023</a:t>
+              <a:t>5/19/2023</a:t>
             </a:fld>
             <a:endParaRPr lang="en-US"/>
           </a:p>
@@ -2839,7 +2742,7 @@
           <a:p>
             <a:fld id="{71FD7FF2-845F-41B9-944F-35B90659B7D6}" type="datetimeFigureOut">
               <a:rPr lang="en-US" smtClean="0"/>
-              <a:t>5/17/2023</a:t>
+              <a:t>5/19/2023</a:t>
             </a:fld>
             <a:endParaRPr lang="en-US"/>
           </a:p>
@@ -3090,7 +2993,7 @@
           <a:p>
             <a:fld id="{71FD7FF2-845F-41B9-944F-35B90659B7D6}" type="datetimeFigureOut">
               <a:rPr lang="en-US" smtClean="0"/>
-              <a:t>5/17/2023</a:t>
+              <a:t>5/19/2023</a:t>
             </a:fld>
             <a:endParaRPr lang="en-US"/>
           </a:p>
@@ -3296,7 +3199,7 @@
           <a:p>
             <a:fld id="{71FD7FF2-845F-41B9-944F-35B90659B7D6}" type="datetimeFigureOut">
               <a:rPr lang="en-US" smtClean="0"/>
-              <a:t>5/17/2023</a:t>
+              <a:t>5/19/2023</a:t>
             </a:fld>
             <a:endParaRPr lang="en-US"/>
           </a:p>
@@ -3769,12 +3672,12 @@
       </p:grpSpPr>
       <p:sp>
         <p:nvSpPr>
-          <p:cNvPr id="2" name="Title 1"/>
-          <p:cNvSpPr>
-            <a:spLocks noGrp="1" noEditPoints="1"/>
-          </p:cNvSpPr>
-          <p:nvPr>
-            <p:ph type="title"/>
+          <p:cNvPr id="6" name="Content Placeholder 5"/>
+          <p:cNvSpPr>
+            <a:spLocks noGrp="1" noEditPoints="1"/>
+          </p:cNvSpPr>
+          <p:nvPr>
+            <p:ph idx="1"/>
           </p:nvPr>
         </p:nvSpPr>
         <p:spPr>
@@ -3785,17 +3688,66 @@
         <p:txBody>
           <a:bodyPr/>
           <a:lstStyle/>
-          <a:p/>
-        </p:txBody>
-      </p:sp>
-      <p:sp>
-        <p:nvSpPr>
-          <p:cNvPr id="3" name="Content Placeholder 2"/>
-          <p:cNvSpPr>
-            <a:spLocks noGrp="1" noEditPoints="1"/>
-          </p:cNvSpPr>
-          <p:nvPr>
-            <p:ph idx="1"/>
+          <a:p>
+            <a:pPr>
+              <a:buFont typeface="Arial" pitchFamily="34" charset="0" panose="020B0604020202020204"/>
+              <a:buChar char="•"/>
+            </a:pPr>
+            <a:r>
+              <a:rPr lang="en-GB"/>
+              <a:t>Egyoldalas alkalmazás (SPA)</a:t>
+            </a:r>
+          </a:p>
+          <a:p>
+            <a:pPr>
+              <a:buFont typeface="Arial" pitchFamily="34" charset="0" panose="020B0604020202020204"/>
+              <a:buChar char="•"/>
+            </a:pPr>
+            <a:r>
+              <a:rPr lang="en-GB"/>
+              <a:t>Webes alkalmazás</a:t>
+            </a:r>
+          </a:p>
+          <a:p>
+            <a:pPr>
+              <a:buFont typeface="Arial" pitchFamily="34" charset="0" panose="020B0604020202020204"/>
+              <a:buChar char="•"/>
+            </a:pPr>
+            <a:r>
+              <a:rPr lang="en-GB"/>
+              <a:t>Felhasználó kezelés</a:t>
+            </a:r>
+          </a:p>
+          <a:p>
+            <a:pPr>
+              <a:buFont typeface="Arial" pitchFamily="34" charset="0" panose="020B0604020202020204"/>
+              <a:buChar char="•"/>
+            </a:pPr>
+            <a:r>
+              <a:rPr lang="en-GB"/>
+              <a:t>Jogosultságok</a:t>
+            </a:r>
+          </a:p>
+          <a:p>
+            <a:pPr>
+              <a:buFont typeface="Arial" pitchFamily="34" charset="0" panose="020B0604020202020204"/>
+              <a:buChar char="•"/>
+            </a:pPr>
+            <a:r>
+              <a:rPr lang="en-GB"/>
+              <a:t>Könyvek</a:t>
+            </a:r>
+          </a:p>
+        </p:txBody>
+      </p:sp>
+      <p:sp>
+        <p:nvSpPr>
+          <p:cNvPr id="2" name="Title 1"/>
+          <p:cNvSpPr>
+            <a:spLocks noGrp="1" noEditPoints="1"/>
+          </p:cNvSpPr>
+          <p:nvPr>
+            <p:ph type="title"/>
           </p:nvPr>
         </p:nvSpPr>
         <p:spPr>
@@ -3808,27 +3760,8 @@
           <a:lstStyle/>
           <a:p>
             <a:r>
-              <a:t>1. miért választottad ezt a témát</a:t>
-            </a:r>
-          </a:p>
-          <a:p>
-            <a:r>
-              <a:t>2. milyen programokat, szoftvereket használtál fel az elkészítés során</a:t>
-            </a:r>
-          </a:p>
-          <a:p>
-            <a:r>
-              <a:t>3. Az adatbázis felépítésének bemutatása</a:t>
-            </a:r>
-          </a:p>
-          <a:p>
-            <a:r>
-              <a:t>4. Néhány fontosabb kódrészlet, amit el is tudsz magyarázni! (kb 4 dián keresztül mutass be kódrészleteket)</a:t>
-            </a:r>
-          </a:p>
-          <a:p>
-            <a:r>
-              <a:t>5. Milyen fejlesztési lehetőségek lehetnek, hol lehetne felhasználni a programod még.</a:t>
+              <a:rPr lang="hu-HU"/>
+              <a:t>Témaválasztás</a:t>
             </a:r>
           </a:p>
         </p:txBody>
@@ -3860,78 +3793,6 @@
       </p:grpSpPr>
       <p:sp>
         <p:nvSpPr>
-          <p:cNvPr id="6" name="Content Placeholder 5"/>
-          <p:cNvSpPr>
-            <a:spLocks noGrp="1" noEditPoints="1"/>
-          </p:cNvSpPr>
-          <p:nvPr>
-            <p:ph idx="1"/>
-          </p:nvPr>
-        </p:nvSpPr>
-        <p:spPr>
-          <a:prstGeom prst="rect">
-            <a:avLst/>
-          </a:prstGeom>
-        </p:spPr>
-        <p:txBody>
-          <a:bodyPr/>
-          <a:lstStyle/>
-          <a:p/>
-        </p:txBody>
-      </p:sp>
-      <p:sp>
-        <p:nvSpPr>
-          <p:cNvPr id="2" name="Title 1"/>
-          <p:cNvSpPr>
-            <a:spLocks noGrp="1" noEditPoints="1"/>
-          </p:cNvSpPr>
-          <p:nvPr>
-            <p:ph type="title"/>
-          </p:nvPr>
-        </p:nvSpPr>
-        <p:spPr>
-          <a:prstGeom prst="rect">
-            <a:avLst/>
-          </a:prstGeom>
-        </p:spPr>
-        <p:txBody>
-          <a:bodyPr/>
-          <a:lstStyle/>
-          <a:p>
-            <a:r>
-              <a:rPr lang="en-GB"/>
-              <a:t>Témaválasztás</a:t>
-            </a:r>
-          </a:p>
-        </p:txBody>
-      </p:sp>
-    </p:spTree>
-  </p:cSld>
-  <p:clrMapOvr>
-    <a:masterClrMapping/>
-  </p:clrMapOvr>
-</p:sld>
-</file>
-
-<file path=ppt/slides/slide4.xml><?xml version="1.0" encoding="utf-8"?>
-<p:sld xmlns:a="http://schemas.openxmlformats.org/drawingml/2006/main" xmlns:r="http://schemas.openxmlformats.org/officeDocument/2006/relationships" xmlns:p="http://schemas.openxmlformats.org/presentationml/2006/main">
-  <p:cSld>
-    <p:spTree>
-      <p:nvGrpSpPr>
-        <p:cNvPr id="1" name=""/>
-        <p:cNvGrpSpPr/>
-        <p:nvPr/>
-      </p:nvGrpSpPr>
-      <p:grpSpPr>
-        <a:xfrm>
-          <a:off x="0" y="0"/>
-          <a:ext cx="0" cy="0"/>
-          <a:chOff x="0" y="0"/>
-          <a:chExt cx="0" cy="0"/>
-        </a:xfrm>
-      </p:grpSpPr>
-      <p:sp>
-        <p:nvSpPr>
           <p:cNvPr id="2" name="Title 1"/>
           <p:cNvSpPr>
             <a:spLocks noGrp="1" noEditPoints="1"/>
@@ -3964,7 +3825,7 @@
         </p:nvGrpSpPr>
         <p:grpSpPr>
           <a:xfrm>
-            <a:off x="1210035" y="1512478"/>
+            <a:off x="2554941" y="1612299"/>
             <a:ext cx="2059204" cy="2183596"/>
             <a:chOff x="8826635" y="1205428"/>
             <a:chExt cx="2438400" cy="2697253"/>
@@ -4035,7 +3896,7 @@
         </p:nvGrpSpPr>
         <p:grpSpPr>
           <a:xfrm>
-            <a:off x="3839123" y="1512359"/>
+            <a:off x="5184029" y="1612180"/>
             <a:ext cx="2059204" cy="2183715"/>
             <a:chOff x="8826635" y="1205428"/>
             <a:chExt cx="2438400" cy="2697253"/>
@@ -4106,7 +3967,7 @@
         </p:nvGrpSpPr>
         <p:grpSpPr>
           <a:xfrm>
-            <a:off x="6564716" y="1512478"/>
+            <a:off x="7909622" y="1612299"/>
             <a:ext cx="1727438" cy="2136228"/>
             <a:chOff x="6045107" y="2221960"/>
             <a:chExt cx="2155227" cy="2569054"/>
@@ -4176,8 +4037,8 @@
         </p:nvGrpSpPr>
         <p:grpSpPr>
           <a:xfrm>
-            <a:off x="8958544" y="1512478"/>
-            <a:ext cx="1738966" cy="2136228"/>
+            <a:off x="7034878" y="4250891"/>
+            <a:ext cx="1738966" cy="1942791"/>
             <a:chOff x="6045107" y="2221960"/>
             <a:chExt cx="2155227" cy="2569054"/>
           </a:xfrm>
@@ -4199,8 +4060,8 @@
           </p:blipFill>
           <p:spPr>
             <a:xfrm>
-              <a:off x="6085418" y="2221960"/>
-              <a:ext cx="2076356" cy="2014769"/>
+              <a:off x="6176318" y="2221960"/>
+              <a:ext cx="1904472" cy="2031981"/>
             </a:xfrm>
             <a:prstGeom prst="rect">
               <a:avLst/>
@@ -4215,8 +4076,8 @@
           </p:nvSpPr>
           <p:spPr>
             <a:xfrm>
-              <a:off x="6045107" y="4349895"/>
-              <a:ext cx="2155227" cy="441119"/>
+              <a:off x="6045107" y="4305975"/>
+              <a:ext cx="2155227" cy="485039"/>
             </a:xfrm>
             <a:prstGeom prst="rect">
               <a:avLst/>
@@ -4246,7 +4107,7 @@
         </p:nvGrpSpPr>
         <p:grpSpPr>
           <a:xfrm>
-            <a:off x="1210131" y="4098135"/>
+            <a:off x="3584639" y="4299514"/>
             <a:ext cx="2059204" cy="1894168"/>
             <a:chOff x="8826635" y="1205428"/>
             <a:chExt cx="2438400" cy="2697253"/>
